--- a/learn-pr/student-evangelism/develop-secure-iot-solutions-azure-sphere-iot-hub/resources/azsure-sphere-telemetry-streaming.pptx
+++ b/learn-pr/student-evangelism/develop-secure-iot-solutions-azure-sphere-iot-hub/resources/azsure-sphere-telemetry-streaming.pptx
@@ -197,7 +197,7 @@
           <a:p>
             <a:fld id="{DF5CC7DF-1DC1-46F0-AC02-38AD0FE551E0}" type="datetimeFigureOut">
               <a:rPr lang="en-AU" smtClean="0"/>
-              <a:t>10/12/2020</a:t>
+              <a:t>14/12/2020</a:t>
             </a:fld>
             <a:endParaRPr lang="en-AU"/>
           </a:p>
@@ -12777,7 +12777,7 @@
             <a:fld id="{B3D10869-6060-4E47-B931-1432A5FBCBE3}" type="datetimeFigureOut">
               <a:rPr lang="en-US" smtClean="0"/>
               <a:pPr/>
-              <a:t>12/10/2020</a:t>
+              <a:t>12/14/2020</a:t>
             </a:fld>
             <a:endParaRPr lang="en-US"/>
           </a:p>
@@ -18140,8 +18140,8 @@
         </p:nvCxnSpPr>
         <p:spPr>
           <a:xfrm flipH="1">
-            <a:off x="3211505" y="3767513"/>
-            <a:ext cx="893149" cy="0"/>
+            <a:off x="3275035" y="3767513"/>
+            <a:ext cx="829620" cy="0"/>
           </a:xfrm>
           <a:prstGeom prst="straightConnector1">
             <a:avLst/>
@@ -18658,6 +18658,78 @@
           </a:prstGeom>
         </p:spPr>
       </p:pic>
+      <p:sp>
+        <p:nvSpPr>
+          <p:cNvPr id="18" name="Rectangle 17">
+            <a:extLst>
+              <a:ext uri="{FF2B5EF4-FFF2-40B4-BE49-F238E27FC236}">
+                <a16:creationId xmlns:a16="http://schemas.microsoft.com/office/drawing/2014/main" id="{A266F27F-9A75-4BC5-A461-C0A113A83A62}"/>
+              </a:ext>
+            </a:extLst>
+          </p:cNvPr>
+          <p:cNvSpPr/>
+          <p:nvPr/>
+        </p:nvSpPr>
+        <p:spPr>
+          <a:xfrm>
+            <a:off x="1812595" y="2841450"/>
+            <a:ext cx="1462440" cy="2704771"/>
+          </a:xfrm>
+          <a:prstGeom prst="rect">
+            <a:avLst/>
+          </a:prstGeom>
+          <a:solidFill>
+            <a:srgbClr val="FFD44B"/>
+          </a:solidFill>
+          <a:ln w="12700" cap="flat" cmpd="sng" algn="ctr">
+            <a:solidFill>
+              <a:srgbClr val="4472C4">
+                <a:shade val="50000"/>
+              </a:srgbClr>
+            </a:solidFill>
+            <a:prstDash val="solid"/>
+            <a:miter lim="800000"/>
+          </a:ln>
+          <a:effectLst/>
+        </p:spPr>
+        <p:txBody>
+          <a:bodyPr rtlCol="0" anchor="ctr"/>
+          <a:lstStyle/>
+          <a:p>
+            <a:pPr marL="0" marR="0" lvl="0" indent="0" algn="ctr" defTabSz="914400" rtl="0" eaLnBrk="1" fontAlgn="auto" latinLnBrk="0" hangingPunct="1">
+              <a:lnSpc>
+                <a:spcPct val="100000"/>
+              </a:lnSpc>
+              <a:spcBef>
+                <a:spcPts val="0"/>
+              </a:spcBef>
+              <a:spcAft>
+                <a:spcPts val="0"/>
+              </a:spcAft>
+              <a:buClrTx/>
+              <a:buSzTx/>
+              <a:buFontTx/>
+              <a:buNone/>
+              <a:tabLst/>
+              <a:defRPr/>
+            </a:pPr>
+            <a:endParaRPr kumimoji="0" lang="en-AU" sz="1100" b="0" i="0" u="none" strike="noStrike" kern="0" cap="none" spc="0" normalizeH="0" baseline="0" noProof="0" dirty="0">
+              <a:ln>
+                <a:noFill/>
+              </a:ln>
+              <a:solidFill>
+                <a:prstClr val="black"/>
+              </a:solidFill>
+              <a:effectLst/>
+              <a:uLnTx/>
+              <a:uFillTx/>
+              <a:latin typeface="Calibri" panose="020F0502020204030204" pitchFamily="34" charset="0"/>
+              <a:ea typeface="Verdana" panose="020B0604030504040204" pitchFamily="34" charset="0"/>
+              <a:cs typeface="Calibri" panose="020F0502020204030204" pitchFamily="34" charset="0"/>
+            </a:endParaRPr>
+          </a:p>
+        </p:txBody>
+      </p:sp>
       <p:pic>
         <p:nvPicPr>
           <p:cNvPr id="8" name="Picture 7">
